--- a/파이썬활용 워크샵(2020.08.26)/위성관측해빙/IMG/table.pptx
+++ b/파이썬활용 워크샵(2020.08.26)/위성관측해빙/IMG/table.pptx
@@ -8,6 +8,9 @@
     <p:sldId id="257" r:id="rId2"/>
     <p:sldId id="258" r:id="rId3"/>
     <p:sldId id="259" r:id="rId4"/>
+    <p:sldId id="260" r:id="rId5"/>
+    <p:sldId id="261" r:id="rId6"/>
+    <p:sldId id="262" r:id="rId7"/>
   </p:sldIdLst>
   <p:sldSz cx="12192000" cy="6858000"/>
   <p:notesSz cx="6858000" cy="9144000"/>
@@ -3981,7 +3984,7 @@
         </p:nvGraphicFramePr>
         <p:xfrm>
           <a:off x="0" y="0"/>
-          <a:ext cx="9000000" cy="449898"/>
+          <a:ext cx="9000000" cy="502920"/>
         </p:xfrm>
         <a:graphic>
           <a:graphicData uri="http://schemas.openxmlformats.org/drawingml/2006/table">
@@ -4105,6 +4108,1405 @@
     <p:extLst>
       <p:ext uri="{BB962C8B-B14F-4D97-AF65-F5344CB8AC3E}">
         <p14:creationId xmlns:p14="http://schemas.microsoft.com/office/powerpoint/2010/main" val="1105329843"/>
+      </p:ext>
+    </p:extLst>
+  </p:cSld>
+  <p:clrMapOvr>
+    <a:masterClrMapping/>
+  </p:clrMapOvr>
+</p:sld>
+</file>
+
+<file path=ppt/slides/slide4.xml><?xml version="1.0" encoding="utf-8"?>
+<p:sld xmlns:a="http://schemas.openxmlformats.org/drawingml/2006/main" xmlns:r="http://schemas.openxmlformats.org/officeDocument/2006/relationships" xmlns:p="http://schemas.openxmlformats.org/presentationml/2006/main">
+  <p:cSld>
+    <p:spTree>
+      <p:nvGrpSpPr>
+        <p:cNvPr id="1" name=""/>
+        <p:cNvGrpSpPr/>
+        <p:nvPr/>
+      </p:nvGrpSpPr>
+      <p:grpSpPr>
+        <a:xfrm>
+          <a:off x="0" y="0"/>
+          <a:ext cx="0" cy="0"/>
+          <a:chOff x="0" y="0"/>
+          <a:chExt cx="0" cy="0"/>
+        </a:xfrm>
+      </p:grpSpPr>
+      <p:graphicFrame>
+        <p:nvGraphicFramePr>
+          <p:cNvPr id="4" name="표 3"/>
+          <p:cNvGraphicFramePr>
+            <a:graphicFrameLocks noGrp="1"/>
+          </p:cNvGraphicFramePr>
+          <p:nvPr>
+            <p:extLst>
+              <p:ext uri="{D42A27DB-BD31-4B8C-83A1-F6EECF244321}">
+                <p14:modId xmlns:p14="http://schemas.microsoft.com/office/powerpoint/2010/main" val="2854377532"/>
+              </p:ext>
+            </p:extLst>
+          </p:nvPr>
+        </p:nvGraphicFramePr>
+        <p:xfrm>
+          <a:off x="0" y="0"/>
+          <a:ext cx="7200000" cy="502920"/>
+        </p:xfrm>
+        <a:graphic>
+          <a:graphicData uri="http://schemas.openxmlformats.org/drawingml/2006/table">
+            <a:tbl>
+              <a:tblPr firstRow="1" bandRow="1">
+                <a:tableStyleId>{C083E6E3-FA7D-4D7B-A595-EF9225AFEA82}</a:tableStyleId>
+              </a:tblPr>
+              <a:tblGrid>
+                <a:gridCol w="720000">
+                  <a:extLst>
+                    <a:ext uri="{9D8B030D-6E8A-4147-A177-3AD203B41FA5}">
+                      <a16:colId xmlns:a16="http://schemas.microsoft.com/office/drawing/2014/main" val="3732402374"/>
+                    </a:ext>
+                  </a:extLst>
+                </a:gridCol>
+                <a:gridCol w="6480000">
+                  <a:extLst>
+                    <a:ext uri="{9D8B030D-6E8A-4147-A177-3AD203B41FA5}">
+                      <a16:colId xmlns:a16="http://schemas.microsoft.com/office/drawing/2014/main" val="1917817924"/>
+                    </a:ext>
+                  </a:extLst>
+                </a:gridCol>
+              </a:tblGrid>
+              <a:tr h="370840">
+                <a:tc>
+                  <a:txBody>
+                    <a:bodyPr/>
+                    <a:lstStyle/>
+                    <a:p>
+                      <a:pPr latinLnBrk="1">
+                        <a:lnSpc>
+                          <a:spcPct val="150000"/>
+                        </a:lnSpc>
+                      </a:pPr>
+                      <a:r>
+                        <a:rPr lang="en-US" altLang="ko-KR" b="1" dirty="0" smtClean="0"/>
+                        <a:t>SIE</a:t>
+                      </a:r>
+                      <a:endParaRPr lang="ko-KR" altLang="en-US" b="1" dirty="0"/>
+                    </a:p>
+                  </a:txBody>
+                  <a:tcPr>
+                    <a:lnR w="12700" cap="flat" cmpd="sng" algn="ctr">
+                      <a:solidFill>
+                        <a:schemeClr val="tx1"/>
+                      </a:solidFill>
+                      <a:prstDash val="solid"/>
+                      <a:round/>
+                      <a:headEnd type="none" w="med" len="med"/>
+                      <a:tailEnd type="none" w="med" len="med"/>
+                    </a:lnR>
+                    <a:lnB w="12700" cap="flat" cmpd="sng" algn="ctr">
+                      <a:noFill/>
+                      <a:prstDash val="solid"/>
+                      <a:round/>
+                      <a:headEnd type="none" w="med" len="med"/>
+                      <a:tailEnd type="none" w="med" len="med"/>
+                    </a:lnB>
+                  </a:tcPr>
+                </a:tc>
+                <a:tc>
+                  <a:txBody>
+                    <a:bodyPr/>
+                    <a:lstStyle/>
+                    <a:p>
+                      <a:pPr marL="285750" indent="-285750" latinLnBrk="1">
+                        <a:lnSpc>
+                          <a:spcPct val="150000"/>
+                        </a:lnSpc>
+                        <a:buFont typeface="Arial" panose="020B0604020202020204" pitchFamily="34" charset="0"/>
+                        <a:buChar char="•"/>
+                      </a:pPr>
+                      <a:r>
+                        <a:rPr lang="en-US" altLang="ko-KR" b="0" dirty="0" smtClean="0"/>
+                        <a:t>Sea</a:t>
+                      </a:r>
+                      <a:r>
+                        <a:rPr lang="en-US" altLang="ko-KR" b="0" baseline="0" dirty="0" smtClean="0"/>
+                        <a:t> Ice Extent: </a:t>
+                      </a:r>
+                      <a:r>
+                        <a:rPr lang="ko-KR" altLang="en-US" b="0" baseline="0" dirty="0" smtClean="0"/>
+                        <a:t>해빙점유율이 </a:t>
+                      </a:r>
+                      <a:r>
+                        <a:rPr lang="en-US" altLang="ko-KR" b="0" baseline="0" dirty="0" smtClean="0"/>
+                        <a:t>15% </a:t>
+                      </a:r>
+                      <a:r>
+                        <a:rPr lang="ko-KR" altLang="en-US" b="0" baseline="0" dirty="0" smtClean="0"/>
+                        <a:t>이상인 격자들의 면적</a:t>
+                      </a:r>
+                      <a:endParaRPr lang="ko-KR" altLang="en-US" b="0" dirty="0"/>
+                    </a:p>
+                  </a:txBody>
+                  <a:tcPr>
+                    <a:lnL w="12700" cap="flat" cmpd="sng" algn="ctr">
+                      <a:solidFill>
+                        <a:schemeClr val="tx1"/>
+                      </a:solidFill>
+                      <a:prstDash val="solid"/>
+                      <a:round/>
+                      <a:headEnd type="none" w="med" len="med"/>
+                      <a:tailEnd type="none" w="med" len="med"/>
+                    </a:lnL>
+                    <a:lnB w="12700" cap="flat" cmpd="sng" algn="ctr">
+                      <a:noFill/>
+                      <a:prstDash val="solid"/>
+                      <a:round/>
+                      <a:headEnd type="none" w="med" len="med"/>
+                      <a:tailEnd type="none" w="med" len="med"/>
+                    </a:lnB>
+                  </a:tcPr>
+                </a:tc>
+                <a:extLst>
+                  <a:ext uri="{0D108BD9-81ED-4DB2-BD59-A6C34878D82A}">
+                    <a16:rowId xmlns:a16="http://schemas.microsoft.com/office/drawing/2014/main" val="1918278769"/>
+                  </a:ext>
+                </a:extLst>
+              </a:tr>
+            </a:tbl>
+          </a:graphicData>
+        </a:graphic>
+      </p:graphicFrame>
+    </p:spTree>
+    <p:extLst>
+      <p:ext uri="{BB962C8B-B14F-4D97-AF65-F5344CB8AC3E}">
+        <p14:creationId xmlns:p14="http://schemas.microsoft.com/office/powerpoint/2010/main" val="1247138837"/>
+      </p:ext>
+    </p:extLst>
+  </p:cSld>
+  <p:clrMapOvr>
+    <a:masterClrMapping/>
+  </p:clrMapOvr>
+</p:sld>
+</file>
+
+<file path=ppt/slides/slide5.xml><?xml version="1.0" encoding="utf-8"?>
+<p:sld xmlns:a="http://schemas.openxmlformats.org/drawingml/2006/main" xmlns:r="http://schemas.openxmlformats.org/officeDocument/2006/relationships" xmlns:p="http://schemas.openxmlformats.org/presentationml/2006/main">
+  <p:cSld>
+    <p:spTree>
+      <p:nvGrpSpPr>
+        <p:cNvPr id="1" name=""/>
+        <p:cNvGrpSpPr/>
+        <p:nvPr/>
+      </p:nvGrpSpPr>
+      <p:grpSpPr>
+        <a:xfrm>
+          <a:off x="0" y="0"/>
+          <a:ext cx="0" cy="0"/>
+          <a:chOff x="0" y="0"/>
+          <a:chExt cx="0" cy="0"/>
+        </a:xfrm>
+      </p:grpSpPr>
+      <p:grpSp>
+        <p:nvGrpSpPr>
+          <p:cNvPr id="12" name="그룹 11"/>
+          <p:cNvGrpSpPr/>
+          <p:nvPr/>
+        </p:nvGrpSpPr>
+        <p:grpSpPr>
+          <a:xfrm>
+            <a:off x="3879011" y="2778008"/>
+            <a:ext cx="5877464" cy="2438199"/>
+            <a:chOff x="3879011" y="2778008"/>
+            <a:chExt cx="5877464" cy="2438199"/>
+          </a:xfrm>
+        </p:grpSpPr>
+        <mc:AlternateContent xmlns:mc="http://schemas.openxmlformats.org/markup-compatibility/2006">
+          <mc:Choice xmlns:a14="http://schemas.microsoft.com/office/drawing/2010/main" Requires="a14">
+            <p:sp>
+              <p:nvSpPr>
+                <p:cNvPr id="2" name="TextBox 1"/>
+                <p:cNvSpPr txBox="1"/>
+                <p:nvPr/>
+              </p:nvSpPr>
+              <p:spPr>
+                <a:xfrm>
+                  <a:off x="3879011" y="2778008"/>
+                  <a:ext cx="1410698" cy="520463"/>
+                </a:xfrm>
+                <a:prstGeom prst="rect">
+                  <a:avLst/>
+                </a:prstGeom>
+                <a:noFill/>
+              </p:spPr>
+              <p:txBody>
+                <a:bodyPr wrap="square" lIns="0" tIns="0" rIns="0" bIns="0" rtlCol="0">
+                  <a:spAutoFit/>
+                </a:bodyPr>
+                <a:lstStyle/>
+                <a:p>
+                  <a14:m>
+                    <m:oMathPara xmlns:m="http://schemas.openxmlformats.org/officeDocument/2006/math">
+                      <m:oMathParaPr>
+                        <m:jc m:val="centerGroup"/>
+                      </m:oMathParaPr>
+                      <m:oMath xmlns:m="http://schemas.openxmlformats.org/officeDocument/2006/math">
+                        <m:f>
+                          <m:fPr>
+                            <m:ctrlPr>
+                              <a:rPr lang="en-US" altLang="ko-KR" smtClean="0">
+                                <a:latin typeface="Cambria Math" panose="02040503050406030204" pitchFamily="18" charset="0"/>
+                              </a:rPr>
+                            </m:ctrlPr>
+                          </m:fPr>
+                          <m:num>
+                            <m:r>
+                              <m:rPr>
+                                <m:sty m:val="p"/>
+                              </m:rPr>
+                              <a:rPr lang="en-US" altLang="ko-KR" b="0" i="0" smtClean="0">
+                                <a:latin typeface="Cambria Math" panose="02040503050406030204" pitchFamily="18" charset="0"/>
+                              </a:rPr>
+                              <m:t>EH</m:t>
+                            </m:r>
+                          </m:num>
+                          <m:den>
+                            <m:r>
+                              <m:rPr>
+                                <m:sty m:val="p"/>
+                              </m:rPr>
+                              <a:rPr lang="en-US" altLang="ko-KR" b="0" i="0" smtClean="0">
+                                <a:latin typeface="Cambria Math" panose="02040503050406030204" pitchFamily="18" charset="0"/>
+                              </a:rPr>
+                              <m:t>EV</m:t>
+                            </m:r>
+                          </m:den>
+                        </m:f>
+                        <m:r>
+                          <a:rPr lang="en-US" altLang="ko-KR" b="0" i="0" smtClean="0">
+                            <a:latin typeface="Cambria Math" panose="02040503050406030204" pitchFamily="18" charset="0"/>
+                          </a:rPr>
+                          <m:t>=</m:t>
+                        </m:r>
+                        <m:f>
+                          <m:fPr>
+                            <m:ctrlPr>
+                              <a:rPr lang="en-US" altLang="ko-KR" b="0" smtClean="0">
+                                <a:latin typeface="Cambria Math" panose="02040503050406030204" pitchFamily="18" charset="0"/>
+                              </a:rPr>
+                            </m:ctrlPr>
+                          </m:fPr>
+                          <m:num>
+                            <m:r>
+                              <a:rPr lang="en-US" altLang="ko-KR" b="0" i="0" smtClean="0">
+                                <a:latin typeface="Cambria Math" panose="02040503050406030204" pitchFamily="18" charset="0"/>
+                              </a:rPr>
+                              <m:t>1−</m:t>
+                            </m:r>
+                            <m:r>
+                              <m:rPr>
+                                <m:sty m:val="p"/>
+                              </m:rPr>
+                              <a:rPr lang="en-US" altLang="ko-KR" b="0" i="0" smtClean="0">
+                                <a:latin typeface="Cambria Math" panose="02040503050406030204" pitchFamily="18" charset="0"/>
+                              </a:rPr>
+                              <m:t>RH</m:t>
+                            </m:r>
+                          </m:num>
+                          <m:den>
+                            <m:r>
+                              <a:rPr lang="en-US" altLang="ko-KR" b="0" i="0" smtClean="0">
+                                <a:latin typeface="Cambria Math" panose="02040503050406030204" pitchFamily="18" charset="0"/>
+                              </a:rPr>
+                              <m:t>1−</m:t>
+                            </m:r>
+                            <m:r>
+                              <m:rPr>
+                                <m:sty m:val="p"/>
+                              </m:rPr>
+                              <a:rPr lang="en-US" altLang="ko-KR" b="0" i="0" smtClean="0">
+                                <a:latin typeface="Cambria Math" panose="02040503050406030204" pitchFamily="18" charset="0"/>
+                              </a:rPr>
+                              <m:t>RV</m:t>
+                            </m:r>
+                          </m:den>
+                        </m:f>
+                        <m:r>
+                          <a:rPr lang="en-US" altLang="ko-KR" b="0" i="0" smtClean="0">
+                            <a:latin typeface="Cambria Math" panose="02040503050406030204" pitchFamily="18" charset="0"/>
+                          </a:rPr>
+                          <m:t> </m:t>
+                        </m:r>
+                      </m:oMath>
+                    </m:oMathPara>
+                  </a14:m>
+                  <a:endParaRPr lang="ko-KR" altLang="en-US" dirty="0"/>
+                </a:p>
+              </p:txBody>
+            </p:sp>
+          </mc:Choice>
+          <mc:Fallback>
+            <p:sp>
+              <p:nvSpPr>
+                <p:cNvPr id="2" name="TextBox 1"/>
+                <p:cNvSpPr txBox="1">
+                  <a:spLocks noRot="1" noChangeAspect="1" noMove="1" noResize="1" noEditPoints="1" noAdjustHandles="1" noChangeArrowheads="1" noChangeShapeType="1" noTextEdit="1"/>
+                </p:cNvSpPr>
+                <p:nvPr/>
+              </p:nvSpPr>
+              <p:spPr>
+                <a:xfrm>
+                  <a:off x="3879011" y="2778008"/>
+                  <a:ext cx="1410698" cy="520463"/>
+                </a:xfrm>
+                <a:prstGeom prst="rect">
+                  <a:avLst/>
+                </a:prstGeom>
+                <a:blipFill>
+                  <a:blip r:embed="rId2"/>
+                  <a:stretch>
+                    <a:fillRect/>
+                  </a:stretch>
+                </a:blipFill>
+              </p:spPr>
+              <p:txBody>
+                <a:bodyPr/>
+                <a:lstStyle/>
+                <a:p>
+                  <a:r>
+                    <a:rPr lang="ko-KR" altLang="en-US">
+                      <a:noFill/>
+                    </a:rPr>
+                    <a:t> </a:t>
+                  </a:r>
+                </a:p>
+              </p:txBody>
+            </p:sp>
+          </mc:Fallback>
+        </mc:AlternateContent>
+        <mc:AlternateContent xmlns:mc="http://schemas.openxmlformats.org/markup-compatibility/2006">
+          <mc:Choice xmlns:a14="http://schemas.microsoft.com/office/drawing/2010/main" Requires="a14">
+            <p:sp>
+              <p:nvSpPr>
+                <p:cNvPr id="5" name="TextBox 4"/>
+                <p:cNvSpPr txBox="1"/>
+                <p:nvPr/>
+              </p:nvSpPr>
+              <p:spPr>
+                <a:xfrm>
+                  <a:off x="4241321" y="3531384"/>
+                  <a:ext cx="1973080" cy="569580"/>
+                </a:xfrm>
+                <a:prstGeom prst="rect">
+                  <a:avLst/>
+                </a:prstGeom>
+                <a:noFill/>
+              </p:spPr>
+              <p:txBody>
+                <a:bodyPr wrap="square" lIns="0" tIns="0" rIns="0" bIns="0" rtlCol="0">
+                  <a:spAutoFit/>
+                </a:bodyPr>
+                <a:lstStyle/>
+                <a:p>
+                  <a14:m>
+                    <m:oMathPara xmlns:m="http://schemas.openxmlformats.org/officeDocument/2006/math">
+                      <m:oMathParaPr>
+                        <m:jc m:val="centerGroup"/>
+                      </m:oMathParaPr>
+                      <m:oMath xmlns:m="http://schemas.openxmlformats.org/officeDocument/2006/math">
+                        <m:r>
+                          <a:rPr lang="en-US" altLang="ko-KR" b="0" i="0" smtClean="0">
+                            <a:latin typeface="Cambria Math" panose="02040503050406030204" pitchFamily="18" charset="0"/>
+                          </a:rPr>
+                          <m:t>=</m:t>
+                        </m:r>
+                        <m:f>
+                          <m:fPr>
+                            <m:ctrlPr>
+                              <a:rPr lang="en-US" altLang="ko-KR" b="0" smtClean="0">
+                                <a:latin typeface="Cambria Math" panose="02040503050406030204" pitchFamily="18" charset="0"/>
+                              </a:rPr>
+                            </m:ctrlPr>
+                          </m:fPr>
+                          <m:num>
+                            <m:r>
+                              <a:rPr lang="en-US" altLang="ko-KR" b="0" i="0" smtClean="0">
+                                <a:latin typeface="Cambria Math" panose="02040503050406030204" pitchFamily="18" charset="0"/>
+                              </a:rPr>
+                              <m:t>1−</m:t>
+                            </m:r>
+                            <m:r>
+                              <m:rPr>
+                                <m:sty m:val="p"/>
+                              </m:rPr>
+                              <a:rPr lang="en-US" altLang="ko-KR" b="0" i="0" smtClean="0">
+                                <a:latin typeface="Cambria Math" panose="02040503050406030204" pitchFamily="18" charset="0"/>
+                              </a:rPr>
+                              <m:t>RH</m:t>
+                            </m:r>
+                          </m:num>
+                          <m:den>
+                            <m:r>
+                              <a:rPr lang="en-US" altLang="ko-KR" b="0" i="0" smtClean="0">
+                                <a:latin typeface="Cambria Math" panose="02040503050406030204" pitchFamily="18" charset="0"/>
+                              </a:rPr>
+                              <m:t>1−</m:t>
+                            </m:r>
+                            <m:r>
+                              <m:rPr>
+                                <m:sty m:val="p"/>
+                              </m:rPr>
+                              <a:rPr lang="en-US" altLang="ko-KR" b="0" i="0" smtClean="0">
+                                <a:latin typeface="Cambria Math" panose="02040503050406030204" pitchFamily="18" charset="0"/>
+                              </a:rPr>
+                              <m:t>Fresnel</m:t>
+                            </m:r>
+                            <m:r>
+                              <a:rPr lang="en-US" altLang="ko-KR" b="0" i="0" smtClean="0">
+                                <a:latin typeface="Cambria Math" panose="02040503050406030204" pitchFamily="18" charset="0"/>
+                              </a:rPr>
+                              <m:t>(</m:t>
+                            </m:r>
+                            <m:r>
+                              <m:rPr>
+                                <m:sty m:val="p"/>
+                              </m:rPr>
+                              <a:rPr lang="en-US" altLang="ko-KR" b="0" i="0" smtClean="0">
+                                <a:latin typeface="Cambria Math" panose="02040503050406030204" pitchFamily="18" charset="0"/>
+                              </a:rPr>
+                              <m:t>RH</m:t>
+                            </m:r>
+                            <m:r>
+                              <a:rPr lang="en-US" altLang="ko-KR" b="0" i="0" smtClean="0">
+                                <a:latin typeface="Cambria Math" panose="02040503050406030204" pitchFamily="18" charset="0"/>
+                              </a:rPr>
+                              <m:t>)</m:t>
+                            </m:r>
+                          </m:den>
+                        </m:f>
+                        <m:r>
+                          <a:rPr lang="en-US" altLang="ko-KR" b="0" i="0" smtClean="0">
+                            <a:latin typeface="Cambria Math" panose="02040503050406030204" pitchFamily="18" charset="0"/>
+                          </a:rPr>
+                          <m:t> </m:t>
+                        </m:r>
+                      </m:oMath>
+                    </m:oMathPara>
+                  </a14:m>
+                  <a:endParaRPr lang="ko-KR" altLang="en-US" dirty="0"/>
+                </a:p>
+              </p:txBody>
+            </p:sp>
+          </mc:Choice>
+          <mc:Fallback>
+            <p:sp>
+              <p:nvSpPr>
+                <p:cNvPr id="5" name="TextBox 4"/>
+                <p:cNvSpPr txBox="1">
+                  <a:spLocks noRot="1" noChangeAspect="1" noMove="1" noResize="1" noEditPoints="1" noAdjustHandles="1" noChangeArrowheads="1" noChangeShapeType="1" noTextEdit="1"/>
+                </p:cNvSpPr>
+                <p:nvPr/>
+              </p:nvSpPr>
+              <p:spPr>
+                <a:xfrm>
+                  <a:off x="4241321" y="3531384"/>
+                  <a:ext cx="1973080" cy="569580"/>
+                </a:xfrm>
+                <a:prstGeom prst="rect">
+                  <a:avLst/>
+                </a:prstGeom>
+                <a:blipFill>
+                  <a:blip r:embed="rId3"/>
+                  <a:stretch>
+                    <a:fillRect/>
+                  </a:stretch>
+                </a:blipFill>
+              </p:spPr>
+              <p:txBody>
+                <a:bodyPr/>
+                <a:lstStyle/>
+                <a:p>
+                  <a:r>
+                    <a:rPr lang="ko-KR" altLang="en-US">
+                      <a:noFill/>
+                    </a:rPr>
+                    <a:t> </a:t>
+                  </a:r>
+                </a:p>
+              </p:txBody>
+            </p:sp>
+          </mc:Fallback>
+        </mc:AlternateContent>
+        <mc:AlternateContent xmlns:mc="http://schemas.openxmlformats.org/markup-compatibility/2006">
+          <mc:Choice xmlns:a14="http://schemas.microsoft.com/office/drawing/2010/main" Requires="a14">
+            <p:sp>
+              <p:nvSpPr>
+                <p:cNvPr id="6" name="TextBox 5"/>
+                <p:cNvSpPr txBox="1"/>
+                <p:nvPr/>
+              </p:nvSpPr>
+              <p:spPr>
+                <a:xfrm>
+                  <a:off x="4241321" y="4311415"/>
+                  <a:ext cx="794603" cy="516745"/>
+                </a:xfrm>
+                <a:prstGeom prst="rect">
+                  <a:avLst/>
+                </a:prstGeom>
+                <a:noFill/>
+              </p:spPr>
+              <p:txBody>
+                <a:bodyPr wrap="square" lIns="0" tIns="0" rIns="0" bIns="0" rtlCol="0">
+                  <a:spAutoFit/>
+                </a:bodyPr>
+                <a:lstStyle/>
+                <a:p>
+                  <a14:m>
+                    <m:oMathPara xmlns:m="http://schemas.openxmlformats.org/officeDocument/2006/math">
+                      <m:oMathParaPr>
+                        <m:jc m:val="centerGroup"/>
+                      </m:oMathParaPr>
+                      <m:oMath xmlns:m="http://schemas.openxmlformats.org/officeDocument/2006/math">
+                        <m:r>
+                          <a:rPr lang="en-US" altLang="ko-KR" b="0" i="0" smtClean="0">
+                            <a:latin typeface="Cambria Math" panose="02040503050406030204" pitchFamily="18" charset="0"/>
+                          </a:rPr>
+                          <m:t>=</m:t>
+                        </m:r>
+                        <m:f>
+                          <m:fPr>
+                            <m:ctrlPr>
+                              <a:rPr lang="en-US" altLang="ko-KR" b="0" smtClean="0">
+                                <a:latin typeface="Cambria Math" panose="02040503050406030204" pitchFamily="18" charset="0"/>
+                              </a:rPr>
+                            </m:ctrlPr>
+                          </m:fPr>
+                          <m:num>
+                            <m:r>
+                              <m:rPr>
+                                <m:sty m:val="p"/>
+                              </m:rPr>
+                              <a:rPr lang="en-US" altLang="ko-KR" b="0" i="0" smtClean="0">
+                                <a:latin typeface="Cambria Math" panose="02040503050406030204" pitchFamily="18" charset="0"/>
+                              </a:rPr>
+                              <m:t>TBH</m:t>
+                            </m:r>
+                          </m:num>
+                          <m:den>
+                            <m:r>
+                              <m:rPr>
+                                <m:sty m:val="p"/>
+                              </m:rPr>
+                              <a:rPr lang="en-US" altLang="ko-KR" b="0" i="0" smtClean="0">
+                                <a:latin typeface="Cambria Math" panose="02040503050406030204" pitchFamily="18" charset="0"/>
+                              </a:rPr>
+                              <m:t>TBV</m:t>
+                            </m:r>
+                          </m:den>
+                        </m:f>
+                        <m:r>
+                          <a:rPr lang="en-US" altLang="ko-KR" b="0" i="0" smtClean="0">
+                            <a:latin typeface="Cambria Math" panose="02040503050406030204" pitchFamily="18" charset="0"/>
+                          </a:rPr>
+                          <m:t> </m:t>
+                        </m:r>
+                      </m:oMath>
+                    </m:oMathPara>
+                  </a14:m>
+                  <a:endParaRPr lang="ko-KR" altLang="en-US" dirty="0"/>
+                </a:p>
+              </p:txBody>
+            </p:sp>
+          </mc:Choice>
+          <mc:Fallback>
+            <p:sp>
+              <p:nvSpPr>
+                <p:cNvPr id="6" name="TextBox 5"/>
+                <p:cNvSpPr txBox="1">
+                  <a:spLocks noRot="1" noChangeAspect="1" noMove="1" noResize="1" noEditPoints="1" noAdjustHandles="1" noChangeArrowheads="1" noChangeShapeType="1" noTextEdit="1"/>
+                </p:cNvSpPr>
+                <p:nvPr/>
+              </p:nvSpPr>
+              <p:spPr>
+                <a:xfrm>
+                  <a:off x="4241321" y="4311415"/>
+                  <a:ext cx="794603" cy="516745"/>
+                </a:xfrm>
+                <a:prstGeom prst="rect">
+                  <a:avLst/>
+                </a:prstGeom>
+                <a:blipFill>
+                  <a:blip r:embed="rId4"/>
+                  <a:stretch>
+                    <a:fillRect/>
+                  </a:stretch>
+                </a:blipFill>
+              </p:spPr>
+              <p:txBody>
+                <a:bodyPr/>
+                <a:lstStyle/>
+                <a:p>
+                  <a:r>
+                    <a:rPr lang="ko-KR" altLang="en-US">
+                      <a:noFill/>
+                    </a:rPr>
+                    <a:t> </a:t>
+                  </a:r>
+                </a:p>
+              </p:txBody>
+            </p:sp>
+          </mc:Fallback>
+        </mc:AlternateContent>
+        <p:sp>
+          <p:nvSpPr>
+            <p:cNvPr id="7" name="TextBox 6"/>
+            <p:cNvSpPr txBox="1"/>
+            <p:nvPr/>
+          </p:nvSpPr>
+          <p:spPr>
+            <a:xfrm>
+              <a:off x="6243471" y="2884350"/>
+              <a:ext cx="2898898" cy="307777"/>
+            </a:xfrm>
+            <a:prstGeom prst="rect">
+              <a:avLst/>
+            </a:prstGeom>
+            <a:noFill/>
+          </p:spPr>
+          <p:txBody>
+            <a:bodyPr wrap="square" rtlCol="0">
+              <a:spAutoFit/>
+            </a:bodyPr>
+            <a:lstStyle/>
+            <a:p>
+              <a:r>
+                <a:rPr lang="en-US" altLang="ko-KR" sz="1400" dirty="0" smtClean="0"/>
+                <a:t># </a:t>
+              </a:r>
+              <a:r>
+                <a:rPr lang="ko-KR" altLang="en-US" sz="1400" dirty="0" err="1" smtClean="0"/>
+                <a:t>키르히호프</a:t>
+              </a:r>
+              <a:r>
+                <a:rPr lang="ko-KR" altLang="en-US" sz="1400" dirty="0" smtClean="0"/>
+                <a:t> 법칙</a:t>
+              </a:r>
+              <a:endParaRPr lang="ko-KR" altLang="en-US" sz="1400" dirty="0"/>
+            </a:p>
+          </p:txBody>
+        </p:sp>
+        <mc:AlternateContent xmlns:mc="http://schemas.openxmlformats.org/markup-compatibility/2006">
+          <mc:Choice xmlns:a14="http://schemas.microsoft.com/office/drawing/2010/main" Requires="a14">
+            <p:sp>
+              <p:nvSpPr>
+                <p:cNvPr id="8" name="TextBox 7"/>
+                <p:cNvSpPr txBox="1"/>
+                <p:nvPr/>
+              </p:nvSpPr>
+              <p:spPr>
+                <a:xfrm>
+                  <a:off x="6243471" y="3662285"/>
+                  <a:ext cx="2898898" cy="307777"/>
+                </a:xfrm>
+                <a:prstGeom prst="rect">
+                  <a:avLst/>
+                </a:prstGeom>
+                <a:noFill/>
+              </p:spPr>
+              <p:txBody>
+                <a:bodyPr wrap="square" rtlCol="0">
+                  <a:spAutoFit/>
+                </a:bodyPr>
+                <a:lstStyle/>
+                <a:p>
+                  <a:r>
+                    <a:rPr lang="en-US" altLang="ko-KR" sz="1400" dirty="0" smtClean="0"/>
+                    <a:t># </a:t>
+                  </a:r>
+                  <a14:m>
+                    <m:oMath xmlns:m="http://schemas.openxmlformats.org/officeDocument/2006/math">
+                      <m:r>
+                        <m:rPr>
+                          <m:sty m:val="p"/>
+                        </m:rPr>
+                        <a:rPr lang="en-US" altLang="ko-KR" sz="1400">
+                          <a:latin typeface="Cambria Math" panose="02040503050406030204" pitchFamily="18" charset="0"/>
+                        </a:rPr>
+                        <m:t>RV</m:t>
+                      </m:r>
+                    </m:oMath>
+                  </a14:m>
+                  <a:r>
+                    <a:rPr lang="en-US" altLang="ko-KR" sz="1400" dirty="0" smtClean="0"/>
+                    <a:t>=</a:t>
+                  </a:r>
+                  <a14:m>
+                    <m:oMath xmlns:m="http://schemas.openxmlformats.org/officeDocument/2006/math">
+                      <m:r>
+                        <m:rPr>
+                          <m:sty m:val="p"/>
+                        </m:rPr>
+                        <a:rPr lang="en-US" altLang="ko-KR" sz="1400">
+                          <a:latin typeface="Cambria Math" panose="02040503050406030204" pitchFamily="18" charset="0"/>
+                        </a:rPr>
+                        <m:t>Fresnel</m:t>
+                      </m:r>
+                      <m:r>
+                        <a:rPr lang="en-US" altLang="ko-KR" sz="1400">
+                          <a:latin typeface="Cambria Math" panose="02040503050406030204" pitchFamily="18" charset="0"/>
+                        </a:rPr>
+                        <m:t>(</m:t>
+                      </m:r>
+                      <m:r>
+                        <m:rPr>
+                          <m:sty m:val="p"/>
+                        </m:rPr>
+                        <a:rPr lang="en-US" altLang="ko-KR" sz="1400">
+                          <a:latin typeface="Cambria Math" panose="02040503050406030204" pitchFamily="18" charset="0"/>
+                        </a:rPr>
+                        <m:t>RH</m:t>
+                      </m:r>
+                      <m:r>
+                        <a:rPr lang="en-US" altLang="ko-KR" sz="1400">
+                          <a:latin typeface="Cambria Math" panose="02040503050406030204" pitchFamily="18" charset="0"/>
+                        </a:rPr>
+                        <m:t>)</m:t>
+                      </m:r>
+                    </m:oMath>
+                  </a14:m>
+                  <a:endParaRPr lang="ko-KR" altLang="en-US" sz="1400" dirty="0"/>
+                </a:p>
+              </p:txBody>
+            </p:sp>
+          </mc:Choice>
+          <mc:Fallback>
+            <p:sp>
+              <p:nvSpPr>
+                <p:cNvPr id="8" name="TextBox 7"/>
+                <p:cNvSpPr txBox="1">
+                  <a:spLocks noRot="1" noChangeAspect="1" noMove="1" noResize="1" noEditPoints="1" noAdjustHandles="1" noChangeArrowheads="1" noChangeShapeType="1" noTextEdit="1"/>
+                </p:cNvSpPr>
+                <p:nvPr/>
+              </p:nvSpPr>
+              <p:spPr>
+                <a:xfrm>
+                  <a:off x="6243471" y="3662285"/>
+                  <a:ext cx="2898898" cy="307777"/>
+                </a:xfrm>
+                <a:prstGeom prst="rect">
+                  <a:avLst/>
+                </a:prstGeom>
+                <a:blipFill>
+                  <a:blip r:embed="rId5"/>
+                  <a:stretch>
+                    <a:fillRect l="-630" t="-4000" b="-20000"/>
+                  </a:stretch>
+                </a:blipFill>
+              </p:spPr>
+              <p:txBody>
+                <a:bodyPr/>
+                <a:lstStyle/>
+                <a:p>
+                  <a:r>
+                    <a:rPr lang="ko-KR" altLang="en-US">
+                      <a:noFill/>
+                    </a:rPr>
+                    <a:t> </a:t>
+                  </a:r>
+                </a:p>
+              </p:txBody>
+            </p:sp>
+          </mc:Fallback>
+        </mc:AlternateContent>
+        <p:sp>
+          <p:nvSpPr>
+            <p:cNvPr id="9" name="TextBox 8"/>
+            <p:cNvSpPr txBox="1"/>
+            <p:nvPr/>
+          </p:nvSpPr>
+          <p:spPr>
+            <a:xfrm>
+              <a:off x="6243470" y="4415898"/>
+              <a:ext cx="3513005" cy="307777"/>
+            </a:xfrm>
+            <a:prstGeom prst="rect">
+              <a:avLst/>
+            </a:prstGeom>
+            <a:noFill/>
+          </p:spPr>
+          <p:txBody>
+            <a:bodyPr wrap="square" rtlCol="0">
+              <a:spAutoFit/>
+            </a:bodyPr>
+            <a:lstStyle/>
+            <a:p>
+              <a:r>
+                <a:rPr lang="en-US" altLang="ko-KR" sz="1400" dirty="0" smtClean="0"/>
+                <a:t>#EV</a:t>
+              </a:r>
+              <a:r>
+                <a:rPr lang="ko-KR" altLang="en-US" sz="1400" dirty="0" smtClean="0"/>
+                <a:t>와</a:t>
+              </a:r>
+              <a:r>
+                <a:rPr lang="en-US" altLang="ko-KR" sz="1400" dirty="0"/>
+                <a:t> </a:t>
+              </a:r>
+              <a:r>
+                <a:rPr lang="en-US" altLang="ko-KR" sz="1400" dirty="0" smtClean="0"/>
+                <a:t>EH</a:t>
+              </a:r>
+              <a:r>
+                <a:rPr lang="ko-KR" altLang="en-US" sz="1400" dirty="0" smtClean="0"/>
+                <a:t>의 비가 </a:t>
+              </a:r>
+              <a:r>
+                <a:rPr lang="en-US" altLang="ko-KR" sz="1400" dirty="0" smtClean="0"/>
+                <a:t>TBV</a:t>
+              </a:r>
+              <a:r>
+                <a:rPr lang="ko-KR" altLang="en-US" sz="1400" dirty="0" smtClean="0"/>
+                <a:t>와 </a:t>
+              </a:r>
+              <a:r>
+                <a:rPr lang="en-US" altLang="ko-KR" sz="1400" dirty="0" smtClean="0"/>
+                <a:t>TBH</a:t>
+              </a:r>
+              <a:r>
+                <a:rPr lang="ko-KR" altLang="en-US" sz="1400" dirty="0" smtClean="0"/>
+                <a:t>의 비와 같다</a:t>
+              </a:r>
+              <a:endParaRPr lang="ko-KR" altLang="en-US" sz="1400" dirty="0"/>
+            </a:p>
+          </p:txBody>
+        </p:sp>
+        <p:sp>
+          <p:nvSpPr>
+            <p:cNvPr id="10" name="직사각형 9"/>
+            <p:cNvSpPr/>
+            <p:nvPr/>
+          </p:nvSpPr>
+          <p:spPr>
+            <a:xfrm>
+              <a:off x="4468483" y="4311415"/>
+              <a:ext cx="570739" cy="597015"/>
+            </a:xfrm>
+            <a:prstGeom prst="rect">
+              <a:avLst/>
+            </a:prstGeom>
+            <a:noFill/>
+            <a:ln w="38100">
+              <a:solidFill>
+                <a:srgbClr val="0070C0"/>
+              </a:solidFill>
+            </a:ln>
+          </p:spPr>
+          <p:style>
+            <a:lnRef idx="2">
+              <a:schemeClr val="accent1">
+                <a:shade val="50000"/>
+              </a:schemeClr>
+            </a:lnRef>
+            <a:fillRef idx="1">
+              <a:schemeClr val="accent1"/>
+            </a:fillRef>
+            <a:effectRef idx="0">
+              <a:schemeClr val="accent1"/>
+            </a:effectRef>
+            <a:fontRef idx="minor">
+              <a:schemeClr val="lt1"/>
+            </a:fontRef>
+          </p:style>
+          <p:txBody>
+            <a:bodyPr rtlCol="0" anchor="ctr"/>
+            <a:lstStyle/>
+            <a:p>
+              <a:pPr algn="ctr"/>
+              <a:endParaRPr lang="ko-KR" altLang="en-US"/>
+            </a:p>
+          </p:txBody>
+        </p:sp>
+        <p:sp>
+          <p:nvSpPr>
+            <p:cNvPr id="11" name="TextBox 10"/>
+            <p:cNvSpPr txBox="1"/>
+            <p:nvPr/>
+          </p:nvSpPr>
+          <p:spPr>
+            <a:xfrm>
+              <a:off x="4468483" y="4908430"/>
+              <a:ext cx="1218095" cy="307777"/>
+            </a:xfrm>
+            <a:prstGeom prst="rect">
+              <a:avLst/>
+            </a:prstGeom>
+            <a:noFill/>
+          </p:spPr>
+          <p:txBody>
+            <a:bodyPr wrap="square" rtlCol="0">
+              <a:spAutoFit/>
+            </a:bodyPr>
+            <a:lstStyle/>
+            <a:p>
+              <a:r>
+                <a:rPr lang="ko-KR" altLang="en-US" sz="1400" smtClean="0"/>
+                <a:t>관측되는 값</a:t>
+              </a:r>
+              <a:endParaRPr lang="ko-KR" altLang="en-US" sz="1400" dirty="0"/>
+            </a:p>
+          </p:txBody>
+        </p:sp>
+      </p:grpSp>
+    </p:spTree>
+    <p:extLst>
+      <p:ext uri="{BB962C8B-B14F-4D97-AF65-F5344CB8AC3E}">
+        <p14:creationId xmlns:p14="http://schemas.microsoft.com/office/powerpoint/2010/main" val="4113341954"/>
+      </p:ext>
+    </p:extLst>
+  </p:cSld>
+  <p:clrMapOvr>
+    <a:masterClrMapping/>
+  </p:clrMapOvr>
+</p:sld>
+</file>
+
+<file path=ppt/slides/slide6.xml><?xml version="1.0" encoding="utf-8"?>
+<p:sld xmlns:a="http://schemas.openxmlformats.org/drawingml/2006/main" xmlns:r="http://schemas.openxmlformats.org/officeDocument/2006/relationships" xmlns:p="http://schemas.openxmlformats.org/presentationml/2006/main">
+  <p:cSld>
+    <p:spTree>
+      <p:nvGrpSpPr>
+        <p:cNvPr id="1" name=""/>
+        <p:cNvGrpSpPr/>
+        <p:nvPr/>
+      </p:nvGrpSpPr>
+      <p:grpSpPr>
+        <a:xfrm>
+          <a:off x="0" y="0"/>
+          <a:ext cx="0" cy="0"/>
+          <a:chOff x="0" y="0"/>
+          <a:chExt cx="0" cy="0"/>
+        </a:xfrm>
+      </p:grpSpPr>
+      <p:graphicFrame>
+        <p:nvGraphicFramePr>
+          <p:cNvPr id="3" name="표 2"/>
+          <p:cNvGraphicFramePr>
+            <a:graphicFrameLocks noGrp="1"/>
+          </p:cNvGraphicFramePr>
+          <p:nvPr>
+            <p:extLst>
+              <p:ext uri="{D42A27DB-BD31-4B8C-83A1-F6EECF244321}">
+                <p14:modId xmlns:p14="http://schemas.microsoft.com/office/powerpoint/2010/main" val="170374474"/>
+              </p:ext>
+            </p:extLst>
+          </p:nvPr>
+        </p:nvGraphicFramePr>
+        <p:xfrm>
+          <a:off x="0" y="0"/>
+          <a:ext cx="9000000" cy="2514600"/>
+        </p:xfrm>
+        <a:graphic>
+          <a:graphicData uri="http://schemas.openxmlformats.org/drawingml/2006/table">
+            <a:tbl>
+              <a:tblPr firstRow="1" bandRow="1">
+                <a:tableStyleId>{C083E6E3-FA7D-4D7B-A595-EF9225AFEA82}</a:tableStyleId>
+              </a:tblPr>
+              <a:tblGrid>
+                <a:gridCol w="1800000">
+                  <a:extLst>
+                    <a:ext uri="{9D8B030D-6E8A-4147-A177-3AD203B41FA5}">
+                      <a16:colId xmlns:a16="http://schemas.microsoft.com/office/drawing/2014/main" val="3732402374"/>
+                    </a:ext>
+                  </a:extLst>
+                </a:gridCol>
+                <a:gridCol w="7200000">
+                  <a:extLst>
+                    <a:ext uri="{9D8B030D-6E8A-4147-A177-3AD203B41FA5}">
+                      <a16:colId xmlns:a16="http://schemas.microsoft.com/office/drawing/2014/main" val="1917817924"/>
+                    </a:ext>
+                  </a:extLst>
+                </a:gridCol>
+              </a:tblGrid>
+              <a:tr h="370840">
+                <a:tc>
+                  <a:txBody>
+                    <a:bodyPr/>
+                    <a:lstStyle/>
+                    <a:p>
+                      <a:pPr latinLnBrk="1">
+                        <a:lnSpc>
+                          <a:spcPct val="150000"/>
+                        </a:lnSpc>
+                      </a:pPr>
+                      <a:r>
+                        <a:rPr lang="ko-KR" altLang="en-US" b="1" dirty="0"/>
+                        <a:t>자료 제공 기관</a:t>
+                      </a:r>
+                    </a:p>
+                  </a:txBody>
+                  <a:tcPr>
+                    <a:lnR w="12700" cap="flat" cmpd="sng" algn="ctr">
+                      <a:solidFill>
+                        <a:schemeClr val="tx1"/>
+                      </a:solidFill>
+                      <a:prstDash val="solid"/>
+                      <a:round/>
+                      <a:headEnd type="none" w="med" len="med"/>
+                      <a:tailEnd type="none" w="med" len="med"/>
+                    </a:lnR>
+                    <a:lnB w="12700" cap="flat" cmpd="sng" algn="ctr">
+                      <a:noFill/>
+                      <a:prstDash val="solid"/>
+                      <a:round/>
+                      <a:headEnd type="none" w="med" len="med"/>
+                      <a:tailEnd type="none" w="med" len="med"/>
+                    </a:lnB>
+                  </a:tcPr>
+                </a:tc>
+                <a:tc>
+                  <a:txBody>
+                    <a:bodyPr/>
+                    <a:lstStyle/>
+                    <a:p>
+                      <a:pPr marL="285750" indent="-285750" latinLnBrk="1">
+                        <a:lnSpc>
+                          <a:spcPct val="150000"/>
+                        </a:lnSpc>
+                        <a:buFont typeface="Arial" panose="020B0604020202020204" pitchFamily="34" charset="0"/>
+                        <a:buChar char="•"/>
+                      </a:pPr>
+                      <a:r>
+                        <a:rPr lang="en-US" altLang="ko-KR" b="0" dirty="0" smtClean="0"/>
+                        <a:t>NSIDC</a:t>
+                      </a:r>
+                      <a:endParaRPr lang="ko-KR" altLang="en-US" b="0" dirty="0"/>
+                    </a:p>
+                  </a:txBody>
+                  <a:tcPr>
+                    <a:lnL w="12700" cap="flat" cmpd="sng" algn="ctr">
+                      <a:solidFill>
+                        <a:schemeClr val="tx1"/>
+                      </a:solidFill>
+                      <a:prstDash val="solid"/>
+                      <a:round/>
+                      <a:headEnd type="none" w="med" len="med"/>
+                      <a:tailEnd type="none" w="med" len="med"/>
+                    </a:lnL>
+                    <a:lnB w="12700" cap="flat" cmpd="sng" algn="ctr">
+                      <a:noFill/>
+                      <a:prstDash val="solid"/>
+                      <a:round/>
+                      <a:headEnd type="none" w="med" len="med"/>
+                      <a:tailEnd type="none" w="med" len="med"/>
+                    </a:lnB>
+                  </a:tcPr>
+                </a:tc>
+                <a:extLst>
+                  <a:ext uri="{0D108BD9-81ED-4DB2-BD59-A6C34878D82A}">
+                    <a16:rowId xmlns:a16="http://schemas.microsoft.com/office/drawing/2014/main" val="1918278769"/>
+                  </a:ext>
+                </a:extLst>
+              </a:tr>
+              <a:tr h="370840">
+                <a:tc>
+                  <a:txBody>
+                    <a:bodyPr/>
+                    <a:lstStyle/>
+                    <a:p>
+                      <a:pPr latinLnBrk="1">
+                        <a:lnSpc>
+                          <a:spcPct val="150000"/>
+                        </a:lnSpc>
+                      </a:pPr>
+                      <a:r>
+                        <a:rPr lang="ko-KR" altLang="en-US" b="1" dirty="0"/>
+                        <a:t>위성</a:t>
+                      </a:r>
+                    </a:p>
+                  </a:txBody>
+                  <a:tcPr>
+                    <a:lnR w="12700" cap="flat" cmpd="sng" algn="ctr">
+                      <a:solidFill>
+                        <a:schemeClr val="tx1"/>
+                      </a:solidFill>
+                      <a:prstDash val="solid"/>
+                      <a:round/>
+                      <a:headEnd type="none" w="med" len="med"/>
+                      <a:tailEnd type="none" w="med" len="med"/>
+                    </a:lnR>
+                    <a:lnT w="12700" cap="flat" cmpd="sng" algn="ctr">
+                      <a:noFill/>
+                      <a:prstDash val="solid"/>
+                      <a:round/>
+                      <a:headEnd type="none" w="med" len="med"/>
+                      <a:tailEnd type="none" w="med" len="med"/>
+                    </a:lnT>
+                  </a:tcPr>
+                </a:tc>
+                <a:tc>
+                  <a:txBody>
+                    <a:bodyPr/>
+                    <a:lstStyle/>
+                    <a:p>
+                      <a:pPr marL="285750" indent="-285750" latinLnBrk="1">
+                        <a:lnSpc>
+                          <a:spcPct val="150000"/>
+                        </a:lnSpc>
+                        <a:buFont typeface="Arial" panose="020B0604020202020204" pitchFamily="34" charset="0"/>
+                        <a:buChar char="•"/>
+                      </a:pPr>
+                      <a:r>
+                        <a:rPr lang="en-US" altLang="ko-KR" dirty="0" smtClean="0"/>
+                        <a:t>ICESat-2</a:t>
+                      </a:r>
+                      <a:endParaRPr lang="ko-KR" altLang="en-US" dirty="0"/>
+                    </a:p>
+                  </a:txBody>
+                  <a:tcPr>
+                    <a:lnL w="12700" cap="flat" cmpd="sng" algn="ctr">
+                      <a:solidFill>
+                        <a:schemeClr val="tx1"/>
+                      </a:solidFill>
+                      <a:prstDash val="solid"/>
+                      <a:round/>
+                      <a:headEnd type="none" w="med" len="med"/>
+                      <a:tailEnd type="none" w="med" len="med"/>
+                    </a:lnL>
+                    <a:lnT w="12700" cap="flat" cmpd="sng" algn="ctr">
+                      <a:noFill/>
+                      <a:prstDash val="solid"/>
+                      <a:round/>
+                      <a:headEnd type="none" w="med" len="med"/>
+                      <a:tailEnd type="none" w="med" len="med"/>
+                    </a:lnT>
+                  </a:tcPr>
+                </a:tc>
+                <a:extLst>
+                  <a:ext uri="{0D108BD9-81ED-4DB2-BD59-A6C34878D82A}">
+                    <a16:rowId xmlns:a16="http://schemas.microsoft.com/office/drawing/2014/main" val="3474327169"/>
+                  </a:ext>
+                </a:extLst>
+              </a:tr>
+              <a:tr h="370840">
+                <a:tc>
+                  <a:txBody>
+                    <a:bodyPr/>
+                    <a:lstStyle/>
+                    <a:p>
+                      <a:pPr latinLnBrk="1">
+                        <a:lnSpc>
+                          <a:spcPct val="150000"/>
+                        </a:lnSpc>
+                      </a:pPr>
+                      <a:r>
+                        <a:rPr lang="ko-KR" altLang="en-US" b="1" dirty="0"/>
+                        <a:t>센서</a:t>
+                      </a:r>
+                    </a:p>
+                  </a:txBody>
+                  <a:tcPr>
+                    <a:lnR w="12700" cap="flat" cmpd="sng" algn="ctr">
+                      <a:solidFill>
+                        <a:schemeClr val="tx1"/>
+                      </a:solidFill>
+                      <a:prstDash val="solid"/>
+                      <a:round/>
+                      <a:headEnd type="none" w="med" len="med"/>
+                      <a:tailEnd type="none" w="med" len="med"/>
+                    </a:lnR>
+                  </a:tcPr>
+                </a:tc>
+                <a:tc>
+                  <a:txBody>
+                    <a:bodyPr/>
+                    <a:lstStyle/>
+                    <a:p>
+                      <a:pPr marL="285750" indent="-285750" latinLnBrk="1">
+                        <a:lnSpc>
+                          <a:spcPct val="150000"/>
+                        </a:lnSpc>
+                        <a:buFont typeface="Arial" panose="020B0604020202020204" pitchFamily="34" charset="0"/>
+                        <a:buChar char="•"/>
+                      </a:pPr>
+                      <a:r>
+                        <a:rPr lang="en-US" altLang="ko-KR" dirty="0" err="1" smtClean="0"/>
+                        <a:t>lidar</a:t>
+                      </a:r>
+                      <a:endParaRPr lang="ko-KR" altLang="en-US" dirty="0"/>
+                    </a:p>
+                  </a:txBody>
+                  <a:tcPr>
+                    <a:lnL w="12700" cap="flat" cmpd="sng" algn="ctr">
+                      <a:solidFill>
+                        <a:schemeClr val="tx1"/>
+                      </a:solidFill>
+                      <a:prstDash val="solid"/>
+                      <a:round/>
+                      <a:headEnd type="none" w="med" len="med"/>
+                      <a:tailEnd type="none" w="med" len="med"/>
+                    </a:lnL>
+                  </a:tcPr>
+                </a:tc>
+                <a:extLst>
+                  <a:ext uri="{0D108BD9-81ED-4DB2-BD59-A6C34878D82A}">
+                    <a16:rowId xmlns:a16="http://schemas.microsoft.com/office/drawing/2014/main" val="1749933008"/>
+                  </a:ext>
+                </a:extLst>
+              </a:tr>
+              <a:tr h="370840">
+                <a:tc>
+                  <a:txBody>
+                    <a:bodyPr/>
+                    <a:lstStyle/>
+                    <a:p>
+                      <a:pPr latinLnBrk="1">
+                        <a:lnSpc>
+                          <a:spcPct val="150000"/>
+                        </a:lnSpc>
+                      </a:pPr>
+                      <a:r>
+                        <a:rPr lang="ko-KR" altLang="en-US" b="1" dirty="0"/>
+                        <a:t>자료</a:t>
+                      </a:r>
+                    </a:p>
+                  </a:txBody>
+                  <a:tcPr>
+                    <a:lnR w="12700" cap="flat" cmpd="sng" algn="ctr">
+                      <a:solidFill>
+                        <a:schemeClr val="tx1"/>
+                      </a:solidFill>
+                      <a:prstDash val="solid"/>
+                      <a:round/>
+                      <a:headEnd type="none" w="med" len="med"/>
+                      <a:tailEnd type="none" w="med" len="med"/>
+                    </a:lnR>
+                  </a:tcPr>
+                </a:tc>
+                <a:tc>
+                  <a:txBody>
+                    <a:bodyPr/>
+                    <a:lstStyle/>
+                    <a:p>
+                      <a:pPr marL="285750" indent="-285750" latinLnBrk="1">
+                        <a:lnSpc>
+                          <a:spcPct val="150000"/>
+                        </a:lnSpc>
+                        <a:buFont typeface="Arial" panose="020B0604020202020204" pitchFamily="34" charset="0"/>
+                        <a:buChar char="•"/>
+                      </a:pPr>
+                      <a:r>
+                        <a:rPr lang="en-US" altLang="ko-KR" dirty="0" smtClean="0"/>
+                        <a:t>Total freeboard</a:t>
+                      </a:r>
+                      <a:r>
+                        <a:rPr lang="en-US" altLang="ko-KR" baseline="0" dirty="0" smtClean="0"/>
+                        <a:t>: </a:t>
+                      </a:r>
+                      <a:r>
+                        <a:rPr lang="ko-KR" altLang="en-US" dirty="0" smtClean="0"/>
+                        <a:t>지표에서</a:t>
+                      </a:r>
+                      <a:r>
+                        <a:rPr lang="ko-KR" altLang="en-US" baseline="0" dirty="0" smtClean="0"/>
+                        <a:t> 반사된 레이저 신호가 돌아오는 시간</a:t>
+                      </a:r>
+                      <a:endParaRPr lang="ko-KR" altLang="en-US" dirty="0"/>
+                    </a:p>
+                  </a:txBody>
+                  <a:tcPr>
+                    <a:lnL w="12700" cap="flat" cmpd="sng" algn="ctr">
+                      <a:solidFill>
+                        <a:schemeClr val="tx1"/>
+                      </a:solidFill>
+                      <a:prstDash val="solid"/>
+                      <a:round/>
+                      <a:headEnd type="none" w="med" len="med"/>
+                      <a:tailEnd type="none" w="med" len="med"/>
+                    </a:lnL>
+                  </a:tcPr>
+                </a:tc>
+                <a:extLst>
+                  <a:ext uri="{0D108BD9-81ED-4DB2-BD59-A6C34878D82A}">
+                    <a16:rowId xmlns:a16="http://schemas.microsoft.com/office/drawing/2014/main" val="1392753954"/>
+                  </a:ext>
+                </a:extLst>
+              </a:tr>
+              <a:tr h="370840">
+                <a:tc>
+                  <a:txBody>
+                    <a:bodyPr/>
+                    <a:lstStyle/>
+                    <a:p>
+                      <a:pPr latinLnBrk="1">
+                        <a:lnSpc>
+                          <a:spcPct val="150000"/>
+                        </a:lnSpc>
+                      </a:pPr>
+                      <a:r>
+                        <a:rPr lang="ko-KR" altLang="en-US" b="1" dirty="0"/>
+                        <a:t>격자 형식</a:t>
+                      </a:r>
+                    </a:p>
+                  </a:txBody>
+                  <a:tcPr>
+                    <a:lnR w="12700" cap="flat" cmpd="sng" algn="ctr">
+                      <a:solidFill>
+                        <a:schemeClr val="tx1"/>
+                      </a:solidFill>
+                      <a:prstDash val="solid"/>
+                      <a:round/>
+                      <a:headEnd type="none" w="med" len="med"/>
+                      <a:tailEnd type="none" w="med" len="med"/>
+                    </a:lnR>
+                  </a:tcPr>
+                </a:tc>
+                <a:tc>
+                  <a:txBody>
+                    <a:bodyPr/>
+                    <a:lstStyle/>
+                    <a:p>
+                      <a:pPr marL="285750" indent="-285750" latinLnBrk="1">
+                        <a:lnSpc>
+                          <a:spcPct val="150000"/>
+                        </a:lnSpc>
+                        <a:buFont typeface="Arial" panose="020B0604020202020204" pitchFamily="34" charset="0"/>
+                        <a:buChar char="•"/>
+                      </a:pPr>
+                      <a:r>
+                        <a:rPr lang="ko-KR" altLang="en-US" dirty="0" smtClean="0"/>
+                        <a:t>트랙</a:t>
+                      </a:r>
+                      <a:r>
+                        <a:rPr lang="ko-KR" altLang="en-US" baseline="0" dirty="0" smtClean="0"/>
+                        <a:t> 자료</a:t>
+                      </a:r>
+                      <a:endParaRPr lang="ko-KR" altLang="en-US" dirty="0"/>
+                    </a:p>
+                  </a:txBody>
+                  <a:tcPr>
+                    <a:lnL w="12700" cap="flat" cmpd="sng" algn="ctr">
+                      <a:solidFill>
+                        <a:schemeClr val="tx1"/>
+                      </a:solidFill>
+                      <a:prstDash val="solid"/>
+                      <a:round/>
+                      <a:headEnd type="none" w="med" len="med"/>
+                      <a:tailEnd type="none" w="med" len="med"/>
+                    </a:lnL>
+                  </a:tcPr>
+                </a:tc>
+                <a:extLst>
+                  <a:ext uri="{0D108BD9-81ED-4DB2-BD59-A6C34878D82A}">
+                    <a16:rowId xmlns:a16="http://schemas.microsoft.com/office/drawing/2014/main" val="1095148159"/>
+                  </a:ext>
+                </a:extLst>
+              </a:tr>
+            </a:tbl>
+          </a:graphicData>
+        </a:graphic>
+      </p:graphicFrame>
+    </p:spTree>
+    <p:extLst>
+      <p:ext uri="{BB962C8B-B14F-4D97-AF65-F5344CB8AC3E}">
+        <p14:creationId xmlns:p14="http://schemas.microsoft.com/office/powerpoint/2010/main" val="2517176982"/>
       </p:ext>
     </p:extLst>
   </p:cSld>
